--- a/Report and PPT/Computer Graphics Seminar/CGIP Seminar-PPTs - Template.pptx
+++ b/Report and PPT/Computer Graphics Seminar/CGIP Seminar-PPTs - Template.pptx
@@ -263,7 +263,7 @@
       </p15:sldGuideLst>
     </p:ext>
     <p:ext uri="GoogleSlidesCustomDataVersion2">
-      <go:slidesCustomData xmlns:go="http://customooxmlschemas.google.com/" xmlns:ahyp="http://schemas.microsoft.com/office/drawing/2018/hyperlinkcolor" xmlns:p15="http://schemas.microsoft.com/office/powerpoint/2012/main" xmlns:p14="http://schemas.microsoft.com/office/powerpoint/2010/main" xmlns:com="http://schemas.openxmlformats.org/drawingml/2006/compatibility" xmlns:pvml="urn:schemas-microsoft-com:office:powerpoint" xmlns:v="urn:schemas-microsoft-com:vml" xmlns:o="urn:schemas-microsoft-com:office:office" xmlns:dgm="http://schemas.openxmlformats.org/drawingml/2006/diagram" xmlns:c="http://schemas.openxmlformats.org/drawingml/2006/chart" xmlns:mv="urn:schemas-microsoft-com:mac:vml" xmlns:mc="http://schemas.openxmlformats.org/markup-compatibility/2006" xmlns="" r:id="rId8" roundtripDataSignature="AMtx7mgz0W33QhlageCTpwIWzr1lOeUR5g=="/>
+      <go:slidesCustomData xmlns="" xmlns:mc="http://schemas.openxmlformats.org/markup-compatibility/2006" xmlns:mv="urn:schemas-microsoft-com:mac:vml" xmlns:c="http://schemas.openxmlformats.org/drawingml/2006/chart" xmlns:dgm="http://schemas.openxmlformats.org/drawingml/2006/diagram" xmlns:o="urn:schemas-microsoft-com:office:office" xmlns:v="urn:schemas-microsoft-com:vml" xmlns:pvml="urn:schemas-microsoft-com:office:powerpoint" xmlns:com="http://schemas.openxmlformats.org/drawingml/2006/compatibility" xmlns:p14="http://schemas.microsoft.com/office/powerpoint/2010/main" xmlns:p15="http://schemas.microsoft.com/office/powerpoint/2012/main" xmlns:ahyp="http://schemas.microsoft.com/office/drawing/2018/hyperlinkcolor" xmlns:go="http://customooxmlschemas.google.com/" r:id="rId8" roundtripDataSignature="AMtx7mgz0W33QhlageCTpwIWzr1lOeUR5g=="/>
     </p:ext>
   </p:extLst>
 </p:presentation>
@@ -2464,703 +2464,6 @@
 </file>
 
 <file path=ppt/slideLayouts/slideLayout10.xml><?xml version="1.0" encoding="utf-8"?>
-<p:sldLayout xmlns:a="http://schemas.openxmlformats.org/drawingml/2006/main" xmlns:r="http://schemas.openxmlformats.org/officeDocument/2006/relationships" xmlns:p="http://schemas.openxmlformats.org/presentationml/2006/main" matchingName="Title and Vertical Text" type="vertTx">
-  <p:cSld name="VERTICAL_TEXT">
-    <p:spTree>
-      <p:nvGrpSpPr>
-        <p:cNvPr id="1" name="Shape 72"/>
-        <p:cNvGrpSpPr/>
-        <p:nvPr/>
-      </p:nvGrpSpPr>
-      <p:grpSpPr>
-        <a:xfrm>
-          <a:off x="0" y="0"/>
-          <a:ext cx="0" cy="0"/>
-          <a:chOff x="0" y="0"/>
-          <a:chExt cx="0" cy="0"/>
-        </a:xfrm>
-      </p:grpSpPr>
-      <p:sp>
-        <p:nvSpPr>
-          <p:cNvPr id="73" name="Google Shape;73;p13"/>
-          <p:cNvSpPr txBox="1">
-            <a:spLocks noGrp="1"/>
-          </p:cNvSpPr>
-          <p:nvPr>
-            <p:ph type="title"/>
-          </p:nvPr>
-        </p:nvSpPr>
-        <p:spPr>
-          <a:xfrm>
-            <a:off x="457200" y="205979"/>
-            <a:ext cx="8229600" cy="857250"/>
-          </a:xfrm>
-          <a:prstGeom prst="rect">
-            <a:avLst/>
-          </a:prstGeom>
-          <a:noFill/>
-          <a:ln>
-            <a:noFill/>
-          </a:ln>
-        </p:spPr>
-        <p:txBody>
-          <a:bodyPr spcFirstLastPara="1" wrap="square" lIns="91425" tIns="45700" rIns="91425" bIns="45700" anchor="ctr" anchorCtr="0">
-            <a:normAutofit/>
-          </a:bodyPr>
-          <a:lstStyle>
-            <a:lvl1pPr lvl="0" algn="ctr">
-              <a:spcBef>
-                <a:spcPts val="0"/>
-              </a:spcBef>
-              <a:spcAft>
-                <a:spcPts val="0"/>
-              </a:spcAft>
-              <a:buClr>
-                <a:schemeClr val="dk1"/>
-              </a:buClr>
-              <a:buSzPts val="1800"/>
-              <a:buNone/>
-              <a:defRPr/>
-            </a:lvl1pPr>
-            <a:lvl2pPr lvl="1">
-              <a:spcBef>
-                <a:spcPts val="0"/>
-              </a:spcBef>
-              <a:spcAft>
-                <a:spcPts val="0"/>
-              </a:spcAft>
-              <a:buSzPts val="1400"/>
-              <a:buNone/>
-              <a:defRPr/>
-            </a:lvl2pPr>
-            <a:lvl3pPr lvl="2">
-              <a:spcBef>
-                <a:spcPts val="0"/>
-              </a:spcBef>
-              <a:spcAft>
-                <a:spcPts val="0"/>
-              </a:spcAft>
-              <a:buSzPts val="1400"/>
-              <a:buNone/>
-              <a:defRPr/>
-            </a:lvl3pPr>
-            <a:lvl4pPr lvl="3">
-              <a:spcBef>
-                <a:spcPts val="0"/>
-              </a:spcBef>
-              <a:spcAft>
-                <a:spcPts val="0"/>
-              </a:spcAft>
-              <a:buSzPts val="1400"/>
-              <a:buNone/>
-              <a:defRPr/>
-            </a:lvl4pPr>
-            <a:lvl5pPr lvl="4">
-              <a:spcBef>
-                <a:spcPts val="0"/>
-              </a:spcBef>
-              <a:spcAft>
-                <a:spcPts val="0"/>
-              </a:spcAft>
-              <a:buSzPts val="1400"/>
-              <a:buNone/>
-              <a:defRPr/>
-            </a:lvl5pPr>
-            <a:lvl6pPr lvl="5">
-              <a:spcBef>
-                <a:spcPts val="0"/>
-              </a:spcBef>
-              <a:spcAft>
-                <a:spcPts val="0"/>
-              </a:spcAft>
-              <a:buSzPts val="1400"/>
-              <a:buNone/>
-              <a:defRPr/>
-            </a:lvl6pPr>
-            <a:lvl7pPr lvl="6">
-              <a:spcBef>
-                <a:spcPts val="0"/>
-              </a:spcBef>
-              <a:spcAft>
-                <a:spcPts val="0"/>
-              </a:spcAft>
-              <a:buSzPts val="1400"/>
-              <a:buNone/>
-              <a:defRPr/>
-            </a:lvl7pPr>
-            <a:lvl8pPr lvl="7">
-              <a:spcBef>
-                <a:spcPts val="0"/>
-              </a:spcBef>
-              <a:spcAft>
-                <a:spcPts val="0"/>
-              </a:spcAft>
-              <a:buSzPts val="1400"/>
-              <a:buNone/>
-              <a:defRPr/>
-            </a:lvl8pPr>
-            <a:lvl9pPr lvl="8">
-              <a:spcBef>
-                <a:spcPts val="0"/>
-              </a:spcBef>
-              <a:spcAft>
-                <a:spcPts val="0"/>
-              </a:spcAft>
-              <a:buSzPts val="1400"/>
-              <a:buNone/>
-              <a:defRPr/>
-            </a:lvl9pPr>
-          </a:lstStyle>
-          <a:p>
-            <a:endParaRPr/>
-          </a:p>
-        </p:txBody>
-      </p:sp>
-      <p:sp>
-        <p:nvSpPr>
-          <p:cNvPr id="74" name="Google Shape;74;p13"/>
-          <p:cNvSpPr txBox="1">
-            <a:spLocks noGrp="1"/>
-          </p:cNvSpPr>
-          <p:nvPr>
-            <p:ph type="body" idx="1"/>
-          </p:nvPr>
-        </p:nvSpPr>
-        <p:spPr>
-          <a:xfrm rot="5400000">
-            <a:off x="2874764" y="-1217413"/>
-            <a:ext cx="3394472" cy="8229600"/>
-          </a:xfrm>
-          <a:prstGeom prst="rect">
-            <a:avLst/>
-          </a:prstGeom>
-          <a:noFill/>
-          <a:ln>
-            <a:noFill/>
-          </a:ln>
-        </p:spPr>
-        <p:txBody>
-          <a:bodyPr spcFirstLastPara="1" wrap="square" lIns="91425" tIns="45700" rIns="91425" bIns="45700" anchor="t" anchorCtr="0">
-            <a:normAutofit/>
-          </a:bodyPr>
-          <a:lstStyle>
-            <a:lvl1pPr marL="457200" lvl="0" indent="-342900" algn="l">
-              <a:spcBef>
-                <a:spcPts val="360"/>
-              </a:spcBef>
-              <a:spcAft>
-                <a:spcPts val="0"/>
-              </a:spcAft>
-              <a:buClr>
-                <a:schemeClr val="dk1"/>
-              </a:buClr>
-              <a:buSzPts val="1800"/>
-              <a:buChar char="•"/>
-              <a:defRPr/>
-            </a:lvl1pPr>
-            <a:lvl2pPr marL="914400" lvl="1" indent="-342900" algn="l">
-              <a:spcBef>
-                <a:spcPts val="360"/>
-              </a:spcBef>
-              <a:spcAft>
-                <a:spcPts val="0"/>
-              </a:spcAft>
-              <a:buClr>
-                <a:schemeClr val="dk1"/>
-              </a:buClr>
-              <a:buSzPts val="1800"/>
-              <a:buChar char="–"/>
-              <a:defRPr/>
-            </a:lvl2pPr>
-            <a:lvl3pPr marL="1371600" lvl="2" indent="-342900" algn="l">
-              <a:spcBef>
-                <a:spcPts val="360"/>
-              </a:spcBef>
-              <a:spcAft>
-                <a:spcPts val="0"/>
-              </a:spcAft>
-              <a:buClr>
-                <a:schemeClr val="dk1"/>
-              </a:buClr>
-              <a:buSzPts val="1800"/>
-              <a:buChar char="•"/>
-              <a:defRPr/>
-            </a:lvl3pPr>
-            <a:lvl4pPr marL="1828800" lvl="3" indent="-342900" algn="l">
-              <a:spcBef>
-                <a:spcPts val="360"/>
-              </a:spcBef>
-              <a:spcAft>
-                <a:spcPts val="0"/>
-              </a:spcAft>
-              <a:buClr>
-                <a:schemeClr val="dk1"/>
-              </a:buClr>
-              <a:buSzPts val="1800"/>
-              <a:buChar char="–"/>
-              <a:defRPr/>
-            </a:lvl4pPr>
-            <a:lvl5pPr marL="2286000" lvl="4" indent="-342900" algn="l">
-              <a:spcBef>
-                <a:spcPts val="360"/>
-              </a:spcBef>
-              <a:spcAft>
-                <a:spcPts val="0"/>
-              </a:spcAft>
-              <a:buClr>
-                <a:schemeClr val="dk1"/>
-              </a:buClr>
-              <a:buSzPts val="1800"/>
-              <a:buChar char="»"/>
-              <a:defRPr/>
-            </a:lvl5pPr>
-            <a:lvl6pPr marL="2743200" lvl="5" indent="-342900" algn="l">
-              <a:spcBef>
-                <a:spcPts val="360"/>
-              </a:spcBef>
-              <a:spcAft>
-                <a:spcPts val="0"/>
-              </a:spcAft>
-              <a:buClr>
-                <a:schemeClr val="dk1"/>
-              </a:buClr>
-              <a:buSzPts val="1800"/>
-              <a:buChar char="•"/>
-              <a:defRPr/>
-            </a:lvl6pPr>
-            <a:lvl7pPr marL="3200400" lvl="6" indent="-342900" algn="l">
-              <a:spcBef>
-                <a:spcPts val="360"/>
-              </a:spcBef>
-              <a:spcAft>
-                <a:spcPts val="0"/>
-              </a:spcAft>
-              <a:buClr>
-                <a:schemeClr val="dk1"/>
-              </a:buClr>
-              <a:buSzPts val="1800"/>
-              <a:buChar char="•"/>
-              <a:defRPr/>
-            </a:lvl7pPr>
-            <a:lvl8pPr marL="3657600" lvl="7" indent="-342900" algn="l">
-              <a:spcBef>
-                <a:spcPts val="360"/>
-              </a:spcBef>
-              <a:spcAft>
-                <a:spcPts val="0"/>
-              </a:spcAft>
-              <a:buClr>
-                <a:schemeClr val="dk1"/>
-              </a:buClr>
-              <a:buSzPts val="1800"/>
-              <a:buChar char="•"/>
-              <a:defRPr/>
-            </a:lvl8pPr>
-            <a:lvl9pPr marL="4114800" lvl="8" indent="-342900" algn="l">
-              <a:spcBef>
-                <a:spcPts val="360"/>
-              </a:spcBef>
-              <a:spcAft>
-                <a:spcPts val="0"/>
-              </a:spcAft>
-              <a:buClr>
-                <a:schemeClr val="dk1"/>
-              </a:buClr>
-              <a:buSzPts val="1800"/>
-              <a:buChar char="•"/>
-              <a:defRPr/>
-            </a:lvl9pPr>
-          </a:lstStyle>
-          <a:p>
-            <a:endParaRPr/>
-          </a:p>
-        </p:txBody>
-      </p:sp>
-      <p:sp>
-        <p:nvSpPr>
-          <p:cNvPr id="75" name="Google Shape;75;p13"/>
-          <p:cNvSpPr txBox="1">
-            <a:spLocks noGrp="1"/>
-          </p:cNvSpPr>
-          <p:nvPr>
-            <p:ph type="dt" idx="10"/>
-          </p:nvPr>
-        </p:nvSpPr>
-        <p:spPr>
-          <a:xfrm>
-            <a:off x="457200" y="4767263"/>
-            <a:ext cx="2133600" cy="273844"/>
-          </a:xfrm>
-          <a:prstGeom prst="rect">
-            <a:avLst/>
-          </a:prstGeom>
-          <a:noFill/>
-          <a:ln>
-            <a:noFill/>
-          </a:ln>
-        </p:spPr>
-        <p:txBody>
-          <a:bodyPr spcFirstLastPara="1" wrap="square" lIns="91425" tIns="45700" rIns="91425" bIns="45700" anchor="ctr" anchorCtr="0">
-            <a:noAutofit/>
-          </a:bodyPr>
-          <a:lstStyle>
-            <a:lvl1pPr lvl="0" algn="l">
-              <a:spcBef>
-                <a:spcPts val="0"/>
-              </a:spcBef>
-              <a:spcAft>
-                <a:spcPts val="0"/>
-              </a:spcAft>
-              <a:buSzPts val="1400"/>
-              <a:buNone/>
-              <a:defRPr/>
-            </a:lvl1pPr>
-            <a:lvl2pPr lvl="1" algn="l">
-              <a:spcBef>
-                <a:spcPts val="0"/>
-              </a:spcBef>
-              <a:spcAft>
-                <a:spcPts val="0"/>
-              </a:spcAft>
-              <a:buSzPts val="1400"/>
-              <a:buNone/>
-              <a:defRPr/>
-            </a:lvl2pPr>
-            <a:lvl3pPr lvl="2" algn="l">
-              <a:spcBef>
-                <a:spcPts val="0"/>
-              </a:spcBef>
-              <a:spcAft>
-                <a:spcPts val="0"/>
-              </a:spcAft>
-              <a:buSzPts val="1400"/>
-              <a:buNone/>
-              <a:defRPr/>
-            </a:lvl3pPr>
-            <a:lvl4pPr lvl="3" algn="l">
-              <a:spcBef>
-                <a:spcPts val="0"/>
-              </a:spcBef>
-              <a:spcAft>
-                <a:spcPts val="0"/>
-              </a:spcAft>
-              <a:buSzPts val="1400"/>
-              <a:buNone/>
-              <a:defRPr/>
-            </a:lvl4pPr>
-            <a:lvl5pPr lvl="4" algn="l">
-              <a:spcBef>
-                <a:spcPts val="0"/>
-              </a:spcBef>
-              <a:spcAft>
-                <a:spcPts val="0"/>
-              </a:spcAft>
-              <a:buSzPts val="1400"/>
-              <a:buNone/>
-              <a:defRPr/>
-            </a:lvl5pPr>
-            <a:lvl6pPr lvl="5" algn="l">
-              <a:spcBef>
-                <a:spcPts val="0"/>
-              </a:spcBef>
-              <a:spcAft>
-                <a:spcPts val="0"/>
-              </a:spcAft>
-              <a:buSzPts val="1400"/>
-              <a:buNone/>
-              <a:defRPr/>
-            </a:lvl6pPr>
-            <a:lvl7pPr lvl="6" algn="l">
-              <a:spcBef>
-                <a:spcPts val="0"/>
-              </a:spcBef>
-              <a:spcAft>
-                <a:spcPts val="0"/>
-              </a:spcAft>
-              <a:buSzPts val="1400"/>
-              <a:buNone/>
-              <a:defRPr/>
-            </a:lvl7pPr>
-            <a:lvl8pPr lvl="7" algn="l">
-              <a:spcBef>
-                <a:spcPts val="0"/>
-              </a:spcBef>
-              <a:spcAft>
-                <a:spcPts val="0"/>
-              </a:spcAft>
-              <a:buSzPts val="1400"/>
-              <a:buNone/>
-              <a:defRPr/>
-            </a:lvl8pPr>
-            <a:lvl9pPr lvl="8" algn="l">
-              <a:spcBef>
-                <a:spcPts val="0"/>
-              </a:spcBef>
-              <a:spcAft>
-                <a:spcPts val="0"/>
-              </a:spcAft>
-              <a:buSzPts val="1400"/>
-              <a:buNone/>
-              <a:defRPr/>
-            </a:lvl9pPr>
-          </a:lstStyle>
-          <a:p>
-            <a:endParaRPr/>
-          </a:p>
-        </p:txBody>
-      </p:sp>
-      <p:sp>
-        <p:nvSpPr>
-          <p:cNvPr id="76" name="Google Shape;76;p13"/>
-          <p:cNvSpPr txBox="1">
-            <a:spLocks noGrp="1"/>
-          </p:cNvSpPr>
-          <p:nvPr>
-            <p:ph type="ftr" idx="11"/>
-          </p:nvPr>
-        </p:nvSpPr>
-        <p:spPr>
-          <a:xfrm>
-            <a:off x="3124200" y="4767263"/>
-            <a:ext cx="2895600" cy="273844"/>
-          </a:xfrm>
-          <a:prstGeom prst="rect">
-            <a:avLst/>
-          </a:prstGeom>
-          <a:noFill/>
-          <a:ln>
-            <a:noFill/>
-          </a:ln>
-        </p:spPr>
-        <p:txBody>
-          <a:bodyPr spcFirstLastPara="1" wrap="square" lIns="91425" tIns="45700" rIns="91425" bIns="45700" anchor="ctr" anchorCtr="0">
-            <a:noAutofit/>
-          </a:bodyPr>
-          <a:lstStyle>
-            <a:lvl1pPr lvl="0" algn="ctr">
-              <a:spcBef>
-                <a:spcPts val="0"/>
-              </a:spcBef>
-              <a:spcAft>
-                <a:spcPts val="0"/>
-              </a:spcAft>
-              <a:buSzPts val="1400"/>
-              <a:buNone/>
-              <a:defRPr/>
-            </a:lvl1pPr>
-            <a:lvl2pPr lvl="1" algn="l">
-              <a:spcBef>
-                <a:spcPts val="0"/>
-              </a:spcBef>
-              <a:spcAft>
-                <a:spcPts val="0"/>
-              </a:spcAft>
-              <a:buSzPts val="1400"/>
-              <a:buNone/>
-              <a:defRPr/>
-            </a:lvl2pPr>
-            <a:lvl3pPr lvl="2" algn="l">
-              <a:spcBef>
-                <a:spcPts val="0"/>
-              </a:spcBef>
-              <a:spcAft>
-                <a:spcPts val="0"/>
-              </a:spcAft>
-              <a:buSzPts val="1400"/>
-              <a:buNone/>
-              <a:defRPr/>
-            </a:lvl3pPr>
-            <a:lvl4pPr lvl="3" algn="l">
-              <a:spcBef>
-                <a:spcPts val="0"/>
-              </a:spcBef>
-              <a:spcAft>
-                <a:spcPts val="0"/>
-              </a:spcAft>
-              <a:buSzPts val="1400"/>
-              <a:buNone/>
-              <a:defRPr/>
-            </a:lvl4pPr>
-            <a:lvl5pPr lvl="4" algn="l">
-              <a:spcBef>
-                <a:spcPts val="0"/>
-              </a:spcBef>
-              <a:spcAft>
-                <a:spcPts val="0"/>
-              </a:spcAft>
-              <a:buSzPts val="1400"/>
-              <a:buNone/>
-              <a:defRPr/>
-            </a:lvl5pPr>
-            <a:lvl6pPr lvl="5" algn="l">
-              <a:spcBef>
-                <a:spcPts val="0"/>
-              </a:spcBef>
-              <a:spcAft>
-                <a:spcPts val="0"/>
-              </a:spcAft>
-              <a:buSzPts val="1400"/>
-              <a:buNone/>
-              <a:defRPr/>
-            </a:lvl6pPr>
-            <a:lvl7pPr lvl="6" algn="l">
-              <a:spcBef>
-                <a:spcPts val="0"/>
-              </a:spcBef>
-              <a:spcAft>
-                <a:spcPts val="0"/>
-              </a:spcAft>
-              <a:buSzPts val="1400"/>
-              <a:buNone/>
-              <a:defRPr/>
-            </a:lvl7pPr>
-            <a:lvl8pPr lvl="7" algn="l">
-              <a:spcBef>
-                <a:spcPts val="0"/>
-              </a:spcBef>
-              <a:spcAft>
-                <a:spcPts val="0"/>
-              </a:spcAft>
-              <a:buSzPts val="1400"/>
-              <a:buNone/>
-              <a:defRPr/>
-            </a:lvl8pPr>
-            <a:lvl9pPr lvl="8" algn="l">
-              <a:spcBef>
-                <a:spcPts val="0"/>
-              </a:spcBef>
-              <a:spcAft>
-                <a:spcPts val="0"/>
-              </a:spcAft>
-              <a:buSzPts val="1400"/>
-              <a:buNone/>
-              <a:defRPr/>
-            </a:lvl9pPr>
-          </a:lstStyle>
-          <a:p>
-            <a:endParaRPr/>
-          </a:p>
-        </p:txBody>
-      </p:sp>
-      <p:sp>
-        <p:nvSpPr>
-          <p:cNvPr id="77" name="Google Shape;77;p13"/>
-          <p:cNvSpPr txBox="1">
-            <a:spLocks noGrp="1"/>
-          </p:cNvSpPr>
-          <p:nvPr>
-            <p:ph type="sldNum" idx="12"/>
-          </p:nvPr>
-        </p:nvSpPr>
-        <p:spPr>
-          <a:xfrm>
-            <a:off x="6553200" y="4767263"/>
-            <a:ext cx="2133600" cy="273844"/>
-          </a:xfrm>
-          <a:prstGeom prst="rect">
-            <a:avLst/>
-          </a:prstGeom>
-          <a:noFill/>
-          <a:ln>
-            <a:noFill/>
-          </a:ln>
-        </p:spPr>
-        <p:txBody>
-          <a:bodyPr spcFirstLastPara="1" wrap="square" lIns="91425" tIns="45700" rIns="91425" bIns="45700" anchor="ctr" anchorCtr="0">
-            <a:noAutofit/>
-          </a:bodyPr>
-          <a:lstStyle>
-            <a:lvl1pPr marL="0" lvl="0" indent="0" algn="r">
-              <a:spcBef>
-                <a:spcPts val="0"/>
-              </a:spcBef>
-              <a:buNone/>
-              <a:defRPr/>
-            </a:lvl1pPr>
-            <a:lvl2pPr marL="0" lvl="1" indent="0" algn="r">
-              <a:spcBef>
-                <a:spcPts val="0"/>
-              </a:spcBef>
-              <a:buNone/>
-              <a:defRPr/>
-            </a:lvl2pPr>
-            <a:lvl3pPr marL="0" lvl="2" indent="0" algn="r">
-              <a:spcBef>
-                <a:spcPts val="0"/>
-              </a:spcBef>
-              <a:buNone/>
-              <a:defRPr/>
-            </a:lvl3pPr>
-            <a:lvl4pPr marL="0" lvl="3" indent="0" algn="r">
-              <a:spcBef>
-                <a:spcPts val="0"/>
-              </a:spcBef>
-              <a:buNone/>
-              <a:defRPr/>
-            </a:lvl4pPr>
-            <a:lvl5pPr marL="0" lvl="4" indent="0" algn="r">
-              <a:spcBef>
-                <a:spcPts val="0"/>
-              </a:spcBef>
-              <a:buNone/>
-              <a:defRPr/>
-            </a:lvl5pPr>
-            <a:lvl6pPr marL="0" lvl="5" indent="0" algn="r">
-              <a:spcBef>
-                <a:spcPts val="0"/>
-              </a:spcBef>
-              <a:buNone/>
-              <a:defRPr/>
-            </a:lvl6pPr>
-            <a:lvl7pPr marL="0" lvl="6" indent="0" algn="r">
-              <a:spcBef>
-                <a:spcPts val="0"/>
-              </a:spcBef>
-              <a:buNone/>
-              <a:defRPr/>
-            </a:lvl7pPr>
-            <a:lvl8pPr marL="0" lvl="7" indent="0" algn="r">
-              <a:spcBef>
-                <a:spcPts val="0"/>
-              </a:spcBef>
-              <a:buNone/>
-              <a:defRPr/>
-            </a:lvl8pPr>
-            <a:lvl9pPr marL="0" lvl="8" indent="0" algn="r">
-              <a:spcBef>
-                <a:spcPts val="0"/>
-              </a:spcBef>
-              <a:buNone/>
-              <a:defRPr/>
-            </a:lvl9pPr>
-          </a:lstStyle>
-          <a:p>
-            <a:pPr marL="0" lvl="0" indent="0" algn="r" rtl="0">
-              <a:spcBef>
-                <a:spcPts val="0"/>
-              </a:spcBef>
-              <a:spcAft>
-                <a:spcPts val="0"/>
-              </a:spcAft>
-              <a:buNone/>
-            </a:pPr>
-            <a:fld id="{00000000-1234-1234-1234-123412341234}" type="slidenum">
-              <a:rPr lang="en-US"/>
-              <a:t>‹#›</a:t>
-            </a:fld>
-            <a:endParaRPr/>
-          </a:p>
-        </p:txBody>
-      </p:sp>
-    </p:spTree>
-  </p:cSld>
-  <p:clrMapOvr>
-    <a:masterClrMapping/>
-  </p:clrMapOvr>
-</p:sldLayout>
-</file>
-
-<file path=ppt/slideLayouts/slideLayout11.xml><?xml version="1.0" encoding="utf-8"?>
 <p:sldLayout xmlns:a="http://schemas.openxmlformats.org/drawingml/2006/main" xmlns:r="http://schemas.openxmlformats.org/officeDocument/2006/relationships" xmlns:p="http://schemas.openxmlformats.org/presentationml/2006/main" matchingName="Vertical Title and Text" type="vertTitleAndTx">
   <p:cSld name="VERTICAL_TITLE_AND_VERTICAL_TEXT">
     <p:spTree>
@@ -4259,703 +3562,6 @@
 </file>
 
 <file path=ppt/slideLayouts/slideLayout3.xml><?xml version="1.0" encoding="utf-8"?>
-<p:sldLayout xmlns:a="http://schemas.openxmlformats.org/drawingml/2006/main" xmlns:r="http://schemas.openxmlformats.org/officeDocument/2006/relationships" xmlns:p="http://schemas.openxmlformats.org/presentationml/2006/main" matchingName="Title and Content" type="obj">
-  <p:cSld name="OBJECT">
-    <p:spTree>
-      <p:nvGrpSpPr>
-        <p:cNvPr id="1" name="Shape 25"/>
-        <p:cNvGrpSpPr/>
-        <p:nvPr/>
-      </p:nvGrpSpPr>
-      <p:grpSpPr>
-        <a:xfrm>
-          <a:off x="0" y="0"/>
-          <a:ext cx="0" cy="0"/>
-          <a:chOff x="0" y="0"/>
-          <a:chExt cx="0" cy="0"/>
-        </a:xfrm>
-      </p:grpSpPr>
-      <p:sp>
-        <p:nvSpPr>
-          <p:cNvPr id="26" name="Google Shape;26;p6"/>
-          <p:cNvSpPr txBox="1">
-            <a:spLocks noGrp="1"/>
-          </p:cNvSpPr>
-          <p:nvPr>
-            <p:ph type="title"/>
-          </p:nvPr>
-        </p:nvSpPr>
-        <p:spPr>
-          <a:xfrm>
-            <a:off x="457200" y="205979"/>
-            <a:ext cx="8229600" cy="857250"/>
-          </a:xfrm>
-          <a:prstGeom prst="rect">
-            <a:avLst/>
-          </a:prstGeom>
-          <a:noFill/>
-          <a:ln>
-            <a:noFill/>
-          </a:ln>
-        </p:spPr>
-        <p:txBody>
-          <a:bodyPr spcFirstLastPara="1" wrap="square" lIns="91425" tIns="45700" rIns="91425" bIns="45700" anchor="ctr" anchorCtr="0">
-            <a:normAutofit/>
-          </a:bodyPr>
-          <a:lstStyle>
-            <a:lvl1pPr lvl="0" algn="ctr">
-              <a:spcBef>
-                <a:spcPts val="0"/>
-              </a:spcBef>
-              <a:spcAft>
-                <a:spcPts val="0"/>
-              </a:spcAft>
-              <a:buClr>
-                <a:schemeClr val="dk1"/>
-              </a:buClr>
-              <a:buSzPts val="1800"/>
-              <a:buNone/>
-              <a:defRPr/>
-            </a:lvl1pPr>
-            <a:lvl2pPr lvl="1">
-              <a:spcBef>
-                <a:spcPts val="0"/>
-              </a:spcBef>
-              <a:spcAft>
-                <a:spcPts val="0"/>
-              </a:spcAft>
-              <a:buSzPts val="1400"/>
-              <a:buNone/>
-              <a:defRPr/>
-            </a:lvl2pPr>
-            <a:lvl3pPr lvl="2">
-              <a:spcBef>
-                <a:spcPts val="0"/>
-              </a:spcBef>
-              <a:spcAft>
-                <a:spcPts val="0"/>
-              </a:spcAft>
-              <a:buSzPts val="1400"/>
-              <a:buNone/>
-              <a:defRPr/>
-            </a:lvl3pPr>
-            <a:lvl4pPr lvl="3">
-              <a:spcBef>
-                <a:spcPts val="0"/>
-              </a:spcBef>
-              <a:spcAft>
-                <a:spcPts val="0"/>
-              </a:spcAft>
-              <a:buSzPts val="1400"/>
-              <a:buNone/>
-              <a:defRPr/>
-            </a:lvl4pPr>
-            <a:lvl5pPr lvl="4">
-              <a:spcBef>
-                <a:spcPts val="0"/>
-              </a:spcBef>
-              <a:spcAft>
-                <a:spcPts val="0"/>
-              </a:spcAft>
-              <a:buSzPts val="1400"/>
-              <a:buNone/>
-              <a:defRPr/>
-            </a:lvl5pPr>
-            <a:lvl6pPr lvl="5">
-              <a:spcBef>
-                <a:spcPts val="0"/>
-              </a:spcBef>
-              <a:spcAft>
-                <a:spcPts val="0"/>
-              </a:spcAft>
-              <a:buSzPts val="1400"/>
-              <a:buNone/>
-              <a:defRPr/>
-            </a:lvl6pPr>
-            <a:lvl7pPr lvl="6">
-              <a:spcBef>
-                <a:spcPts val="0"/>
-              </a:spcBef>
-              <a:spcAft>
-                <a:spcPts val="0"/>
-              </a:spcAft>
-              <a:buSzPts val="1400"/>
-              <a:buNone/>
-              <a:defRPr/>
-            </a:lvl7pPr>
-            <a:lvl8pPr lvl="7">
-              <a:spcBef>
-                <a:spcPts val="0"/>
-              </a:spcBef>
-              <a:spcAft>
-                <a:spcPts val="0"/>
-              </a:spcAft>
-              <a:buSzPts val="1400"/>
-              <a:buNone/>
-              <a:defRPr/>
-            </a:lvl8pPr>
-            <a:lvl9pPr lvl="8">
-              <a:spcBef>
-                <a:spcPts val="0"/>
-              </a:spcBef>
-              <a:spcAft>
-                <a:spcPts val="0"/>
-              </a:spcAft>
-              <a:buSzPts val="1400"/>
-              <a:buNone/>
-              <a:defRPr/>
-            </a:lvl9pPr>
-          </a:lstStyle>
-          <a:p>
-            <a:endParaRPr/>
-          </a:p>
-        </p:txBody>
-      </p:sp>
-      <p:sp>
-        <p:nvSpPr>
-          <p:cNvPr id="27" name="Google Shape;27;p6"/>
-          <p:cNvSpPr txBox="1">
-            <a:spLocks noGrp="1"/>
-          </p:cNvSpPr>
-          <p:nvPr>
-            <p:ph type="body" idx="1"/>
-          </p:nvPr>
-        </p:nvSpPr>
-        <p:spPr>
-          <a:xfrm>
-            <a:off x="457200" y="1200151"/>
-            <a:ext cx="8229600" cy="3394472"/>
-          </a:xfrm>
-          <a:prstGeom prst="rect">
-            <a:avLst/>
-          </a:prstGeom>
-          <a:noFill/>
-          <a:ln>
-            <a:noFill/>
-          </a:ln>
-        </p:spPr>
-        <p:txBody>
-          <a:bodyPr spcFirstLastPara="1" wrap="square" lIns="91425" tIns="45700" rIns="91425" bIns="45700" anchor="t" anchorCtr="0">
-            <a:normAutofit/>
-          </a:bodyPr>
-          <a:lstStyle>
-            <a:lvl1pPr marL="457200" lvl="0" indent="-342900" algn="l">
-              <a:spcBef>
-                <a:spcPts val="360"/>
-              </a:spcBef>
-              <a:spcAft>
-                <a:spcPts val="0"/>
-              </a:spcAft>
-              <a:buClr>
-                <a:schemeClr val="dk1"/>
-              </a:buClr>
-              <a:buSzPts val="1800"/>
-              <a:buChar char="•"/>
-              <a:defRPr/>
-            </a:lvl1pPr>
-            <a:lvl2pPr marL="914400" lvl="1" indent="-342900" algn="l">
-              <a:spcBef>
-                <a:spcPts val="360"/>
-              </a:spcBef>
-              <a:spcAft>
-                <a:spcPts val="0"/>
-              </a:spcAft>
-              <a:buClr>
-                <a:schemeClr val="dk1"/>
-              </a:buClr>
-              <a:buSzPts val="1800"/>
-              <a:buChar char="–"/>
-              <a:defRPr/>
-            </a:lvl2pPr>
-            <a:lvl3pPr marL="1371600" lvl="2" indent="-342900" algn="l">
-              <a:spcBef>
-                <a:spcPts val="360"/>
-              </a:spcBef>
-              <a:spcAft>
-                <a:spcPts val="0"/>
-              </a:spcAft>
-              <a:buClr>
-                <a:schemeClr val="dk1"/>
-              </a:buClr>
-              <a:buSzPts val="1800"/>
-              <a:buChar char="•"/>
-              <a:defRPr/>
-            </a:lvl3pPr>
-            <a:lvl4pPr marL="1828800" lvl="3" indent="-342900" algn="l">
-              <a:spcBef>
-                <a:spcPts val="360"/>
-              </a:spcBef>
-              <a:spcAft>
-                <a:spcPts val="0"/>
-              </a:spcAft>
-              <a:buClr>
-                <a:schemeClr val="dk1"/>
-              </a:buClr>
-              <a:buSzPts val="1800"/>
-              <a:buChar char="–"/>
-              <a:defRPr/>
-            </a:lvl4pPr>
-            <a:lvl5pPr marL="2286000" lvl="4" indent="-342900" algn="l">
-              <a:spcBef>
-                <a:spcPts val="360"/>
-              </a:spcBef>
-              <a:spcAft>
-                <a:spcPts val="0"/>
-              </a:spcAft>
-              <a:buClr>
-                <a:schemeClr val="dk1"/>
-              </a:buClr>
-              <a:buSzPts val="1800"/>
-              <a:buChar char="»"/>
-              <a:defRPr/>
-            </a:lvl5pPr>
-            <a:lvl6pPr marL="2743200" lvl="5" indent="-342900" algn="l">
-              <a:spcBef>
-                <a:spcPts val="360"/>
-              </a:spcBef>
-              <a:spcAft>
-                <a:spcPts val="0"/>
-              </a:spcAft>
-              <a:buClr>
-                <a:schemeClr val="dk1"/>
-              </a:buClr>
-              <a:buSzPts val="1800"/>
-              <a:buChar char="•"/>
-              <a:defRPr/>
-            </a:lvl6pPr>
-            <a:lvl7pPr marL="3200400" lvl="6" indent="-342900" algn="l">
-              <a:spcBef>
-                <a:spcPts val="360"/>
-              </a:spcBef>
-              <a:spcAft>
-                <a:spcPts val="0"/>
-              </a:spcAft>
-              <a:buClr>
-                <a:schemeClr val="dk1"/>
-              </a:buClr>
-              <a:buSzPts val="1800"/>
-              <a:buChar char="•"/>
-              <a:defRPr/>
-            </a:lvl7pPr>
-            <a:lvl8pPr marL="3657600" lvl="7" indent="-342900" algn="l">
-              <a:spcBef>
-                <a:spcPts val="360"/>
-              </a:spcBef>
-              <a:spcAft>
-                <a:spcPts val="0"/>
-              </a:spcAft>
-              <a:buClr>
-                <a:schemeClr val="dk1"/>
-              </a:buClr>
-              <a:buSzPts val="1800"/>
-              <a:buChar char="•"/>
-              <a:defRPr/>
-            </a:lvl8pPr>
-            <a:lvl9pPr marL="4114800" lvl="8" indent="-342900" algn="l">
-              <a:spcBef>
-                <a:spcPts val="360"/>
-              </a:spcBef>
-              <a:spcAft>
-                <a:spcPts val="0"/>
-              </a:spcAft>
-              <a:buClr>
-                <a:schemeClr val="dk1"/>
-              </a:buClr>
-              <a:buSzPts val="1800"/>
-              <a:buChar char="•"/>
-              <a:defRPr/>
-            </a:lvl9pPr>
-          </a:lstStyle>
-          <a:p>
-            <a:endParaRPr/>
-          </a:p>
-        </p:txBody>
-      </p:sp>
-      <p:sp>
-        <p:nvSpPr>
-          <p:cNvPr id="28" name="Google Shape;28;p6"/>
-          <p:cNvSpPr txBox="1">
-            <a:spLocks noGrp="1"/>
-          </p:cNvSpPr>
-          <p:nvPr>
-            <p:ph type="dt" idx="10"/>
-          </p:nvPr>
-        </p:nvSpPr>
-        <p:spPr>
-          <a:xfrm>
-            <a:off x="457200" y="4767263"/>
-            <a:ext cx="2133600" cy="273844"/>
-          </a:xfrm>
-          <a:prstGeom prst="rect">
-            <a:avLst/>
-          </a:prstGeom>
-          <a:noFill/>
-          <a:ln>
-            <a:noFill/>
-          </a:ln>
-        </p:spPr>
-        <p:txBody>
-          <a:bodyPr spcFirstLastPara="1" wrap="square" lIns="91425" tIns="45700" rIns="91425" bIns="45700" anchor="ctr" anchorCtr="0">
-            <a:noAutofit/>
-          </a:bodyPr>
-          <a:lstStyle>
-            <a:lvl1pPr lvl="0" algn="l">
-              <a:spcBef>
-                <a:spcPts val="0"/>
-              </a:spcBef>
-              <a:spcAft>
-                <a:spcPts val="0"/>
-              </a:spcAft>
-              <a:buSzPts val="1400"/>
-              <a:buNone/>
-              <a:defRPr/>
-            </a:lvl1pPr>
-            <a:lvl2pPr lvl="1" algn="l">
-              <a:spcBef>
-                <a:spcPts val="0"/>
-              </a:spcBef>
-              <a:spcAft>
-                <a:spcPts val="0"/>
-              </a:spcAft>
-              <a:buSzPts val="1400"/>
-              <a:buNone/>
-              <a:defRPr/>
-            </a:lvl2pPr>
-            <a:lvl3pPr lvl="2" algn="l">
-              <a:spcBef>
-                <a:spcPts val="0"/>
-              </a:spcBef>
-              <a:spcAft>
-                <a:spcPts val="0"/>
-              </a:spcAft>
-              <a:buSzPts val="1400"/>
-              <a:buNone/>
-              <a:defRPr/>
-            </a:lvl3pPr>
-            <a:lvl4pPr lvl="3" algn="l">
-              <a:spcBef>
-                <a:spcPts val="0"/>
-              </a:spcBef>
-              <a:spcAft>
-                <a:spcPts val="0"/>
-              </a:spcAft>
-              <a:buSzPts val="1400"/>
-              <a:buNone/>
-              <a:defRPr/>
-            </a:lvl4pPr>
-            <a:lvl5pPr lvl="4" algn="l">
-              <a:spcBef>
-                <a:spcPts val="0"/>
-              </a:spcBef>
-              <a:spcAft>
-                <a:spcPts val="0"/>
-              </a:spcAft>
-              <a:buSzPts val="1400"/>
-              <a:buNone/>
-              <a:defRPr/>
-            </a:lvl5pPr>
-            <a:lvl6pPr lvl="5" algn="l">
-              <a:spcBef>
-                <a:spcPts val="0"/>
-              </a:spcBef>
-              <a:spcAft>
-                <a:spcPts val="0"/>
-              </a:spcAft>
-              <a:buSzPts val="1400"/>
-              <a:buNone/>
-              <a:defRPr/>
-            </a:lvl6pPr>
-            <a:lvl7pPr lvl="6" algn="l">
-              <a:spcBef>
-                <a:spcPts val="0"/>
-              </a:spcBef>
-              <a:spcAft>
-                <a:spcPts val="0"/>
-              </a:spcAft>
-              <a:buSzPts val="1400"/>
-              <a:buNone/>
-              <a:defRPr/>
-            </a:lvl7pPr>
-            <a:lvl8pPr lvl="7" algn="l">
-              <a:spcBef>
-                <a:spcPts val="0"/>
-              </a:spcBef>
-              <a:spcAft>
-                <a:spcPts val="0"/>
-              </a:spcAft>
-              <a:buSzPts val="1400"/>
-              <a:buNone/>
-              <a:defRPr/>
-            </a:lvl8pPr>
-            <a:lvl9pPr lvl="8" algn="l">
-              <a:spcBef>
-                <a:spcPts val="0"/>
-              </a:spcBef>
-              <a:spcAft>
-                <a:spcPts val="0"/>
-              </a:spcAft>
-              <a:buSzPts val="1400"/>
-              <a:buNone/>
-              <a:defRPr/>
-            </a:lvl9pPr>
-          </a:lstStyle>
-          <a:p>
-            <a:endParaRPr/>
-          </a:p>
-        </p:txBody>
-      </p:sp>
-      <p:sp>
-        <p:nvSpPr>
-          <p:cNvPr id="29" name="Google Shape;29;p6"/>
-          <p:cNvSpPr txBox="1">
-            <a:spLocks noGrp="1"/>
-          </p:cNvSpPr>
-          <p:nvPr>
-            <p:ph type="ftr" idx="11"/>
-          </p:nvPr>
-        </p:nvSpPr>
-        <p:spPr>
-          <a:xfrm>
-            <a:off x="3124200" y="4767263"/>
-            <a:ext cx="2895600" cy="273844"/>
-          </a:xfrm>
-          <a:prstGeom prst="rect">
-            <a:avLst/>
-          </a:prstGeom>
-          <a:noFill/>
-          <a:ln>
-            <a:noFill/>
-          </a:ln>
-        </p:spPr>
-        <p:txBody>
-          <a:bodyPr spcFirstLastPara="1" wrap="square" lIns="91425" tIns="45700" rIns="91425" bIns="45700" anchor="ctr" anchorCtr="0">
-            <a:noAutofit/>
-          </a:bodyPr>
-          <a:lstStyle>
-            <a:lvl1pPr lvl="0" algn="ctr">
-              <a:spcBef>
-                <a:spcPts val="0"/>
-              </a:spcBef>
-              <a:spcAft>
-                <a:spcPts val="0"/>
-              </a:spcAft>
-              <a:buSzPts val="1400"/>
-              <a:buNone/>
-              <a:defRPr/>
-            </a:lvl1pPr>
-            <a:lvl2pPr lvl="1" algn="l">
-              <a:spcBef>
-                <a:spcPts val="0"/>
-              </a:spcBef>
-              <a:spcAft>
-                <a:spcPts val="0"/>
-              </a:spcAft>
-              <a:buSzPts val="1400"/>
-              <a:buNone/>
-              <a:defRPr/>
-            </a:lvl2pPr>
-            <a:lvl3pPr lvl="2" algn="l">
-              <a:spcBef>
-                <a:spcPts val="0"/>
-              </a:spcBef>
-              <a:spcAft>
-                <a:spcPts val="0"/>
-              </a:spcAft>
-              <a:buSzPts val="1400"/>
-              <a:buNone/>
-              <a:defRPr/>
-            </a:lvl3pPr>
-            <a:lvl4pPr lvl="3" algn="l">
-              <a:spcBef>
-                <a:spcPts val="0"/>
-              </a:spcBef>
-              <a:spcAft>
-                <a:spcPts val="0"/>
-              </a:spcAft>
-              <a:buSzPts val="1400"/>
-              <a:buNone/>
-              <a:defRPr/>
-            </a:lvl4pPr>
-            <a:lvl5pPr lvl="4" algn="l">
-              <a:spcBef>
-                <a:spcPts val="0"/>
-              </a:spcBef>
-              <a:spcAft>
-                <a:spcPts val="0"/>
-              </a:spcAft>
-              <a:buSzPts val="1400"/>
-              <a:buNone/>
-              <a:defRPr/>
-            </a:lvl5pPr>
-            <a:lvl6pPr lvl="5" algn="l">
-              <a:spcBef>
-                <a:spcPts val="0"/>
-              </a:spcBef>
-              <a:spcAft>
-                <a:spcPts val="0"/>
-              </a:spcAft>
-              <a:buSzPts val="1400"/>
-              <a:buNone/>
-              <a:defRPr/>
-            </a:lvl6pPr>
-            <a:lvl7pPr lvl="6" algn="l">
-              <a:spcBef>
-                <a:spcPts val="0"/>
-              </a:spcBef>
-              <a:spcAft>
-                <a:spcPts val="0"/>
-              </a:spcAft>
-              <a:buSzPts val="1400"/>
-              <a:buNone/>
-              <a:defRPr/>
-            </a:lvl7pPr>
-            <a:lvl8pPr lvl="7" algn="l">
-              <a:spcBef>
-                <a:spcPts val="0"/>
-              </a:spcBef>
-              <a:spcAft>
-                <a:spcPts val="0"/>
-              </a:spcAft>
-              <a:buSzPts val="1400"/>
-              <a:buNone/>
-              <a:defRPr/>
-            </a:lvl8pPr>
-            <a:lvl9pPr lvl="8" algn="l">
-              <a:spcBef>
-                <a:spcPts val="0"/>
-              </a:spcBef>
-              <a:spcAft>
-                <a:spcPts val="0"/>
-              </a:spcAft>
-              <a:buSzPts val="1400"/>
-              <a:buNone/>
-              <a:defRPr/>
-            </a:lvl9pPr>
-          </a:lstStyle>
-          <a:p>
-            <a:endParaRPr/>
-          </a:p>
-        </p:txBody>
-      </p:sp>
-      <p:sp>
-        <p:nvSpPr>
-          <p:cNvPr id="30" name="Google Shape;30;p6"/>
-          <p:cNvSpPr txBox="1">
-            <a:spLocks noGrp="1"/>
-          </p:cNvSpPr>
-          <p:nvPr>
-            <p:ph type="sldNum" idx="12"/>
-          </p:nvPr>
-        </p:nvSpPr>
-        <p:spPr>
-          <a:xfrm>
-            <a:off x="6553200" y="4767263"/>
-            <a:ext cx="2133600" cy="273844"/>
-          </a:xfrm>
-          <a:prstGeom prst="rect">
-            <a:avLst/>
-          </a:prstGeom>
-          <a:noFill/>
-          <a:ln>
-            <a:noFill/>
-          </a:ln>
-        </p:spPr>
-        <p:txBody>
-          <a:bodyPr spcFirstLastPara="1" wrap="square" lIns="91425" tIns="45700" rIns="91425" bIns="45700" anchor="ctr" anchorCtr="0">
-            <a:noAutofit/>
-          </a:bodyPr>
-          <a:lstStyle>
-            <a:lvl1pPr marL="0" lvl="0" indent="0" algn="r">
-              <a:spcBef>
-                <a:spcPts val="0"/>
-              </a:spcBef>
-              <a:buNone/>
-              <a:defRPr/>
-            </a:lvl1pPr>
-            <a:lvl2pPr marL="0" lvl="1" indent="0" algn="r">
-              <a:spcBef>
-                <a:spcPts val="0"/>
-              </a:spcBef>
-              <a:buNone/>
-              <a:defRPr/>
-            </a:lvl2pPr>
-            <a:lvl3pPr marL="0" lvl="2" indent="0" algn="r">
-              <a:spcBef>
-                <a:spcPts val="0"/>
-              </a:spcBef>
-              <a:buNone/>
-              <a:defRPr/>
-            </a:lvl3pPr>
-            <a:lvl4pPr marL="0" lvl="3" indent="0" algn="r">
-              <a:spcBef>
-                <a:spcPts val="0"/>
-              </a:spcBef>
-              <a:buNone/>
-              <a:defRPr/>
-            </a:lvl4pPr>
-            <a:lvl5pPr marL="0" lvl="4" indent="0" algn="r">
-              <a:spcBef>
-                <a:spcPts val="0"/>
-              </a:spcBef>
-              <a:buNone/>
-              <a:defRPr/>
-            </a:lvl5pPr>
-            <a:lvl6pPr marL="0" lvl="5" indent="0" algn="r">
-              <a:spcBef>
-                <a:spcPts val="0"/>
-              </a:spcBef>
-              <a:buNone/>
-              <a:defRPr/>
-            </a:lvl6pPr>
-            <a:lvl7pPr marL="0" lvl="6" indent="0" algn="r">
-              <a:spcBef>
-                <a:spcPts val="0"/>
-              </a:spcBef>
-              <a:buNone/>
-              <a:defRPr/>
-            </a:lvl7pPr>
-            <a:lvl8pPr marL="0" lvl="7" indent="0" algn="r">
-              <a:spcBef>
-                <a:spcPts val="0"/>
-              </a:spcBef>
-              <a:buNone/>
-              <a:defRPr/>
-            </a:lvl8pPr>
-            <a:lvl9pPr marL="0" lvl="8" indent="0" algn="r">
-              <a:spcBef>
-                <a:spcPts val="0"/>
-              </a:spcBef>
-              <a:buNone/>
-              <a:defRPr/>
-            </a:lvl9pPr>
-          </a:lstStyle>
-          <a:p>
-            <a:pPr marL="0" lvl="0" indent="0" algn="r" rtl="0">
-              <a:spcBef>
-                <a:spcPts val="0"/>
-              </a:spcBef>
-              <a:spcAft>
-                <a:spcPts val="0"/>
-              </a:spcAft>
-              <a:buNone/>
-            </a:pPr>
-            <a:fld id="{00000000-1234-1234-1234-123412341234}" type="slidenum">
-              <a:rPr lang="en-US"/>
-              <a:t>‹#›</a:t>
-            </a:fld>
-            <a:endParaRPr/>
-          </a:p>
-        </p:txBody>
-      </p:sp>
-    </p:spTree>
-  </p:cSld>
-  <p:clrMapOvr>
-    <a:masterClrMapping/>
-  </p:clrMapOvr>
-</p:sldLayout>
-</file>
-
-<file path=ppt/slideLayouts/slideLayout4.xml><?xml version="1.0" encoding="utf-8"?>
 <p:sldLayout xmlns:a="http://schemas.openxmlformats.org/drawingml/2006/main" xmlns:r="http://schemas.openxmlformats.org/officeDocument/2006/relationships" xmlns:p="http://schemas.openxmlformats.org/presentationml/2006/main" matchingName="Section Header" type="secHead">
   <p:cSld name="SECTION_HEADER">
     <p:spTree>
@@ -5689,7 +4295,7 @@
 </p:sldLayout>
 </file>
 
-<file path=ppt/slideLayouts/slideLayout5.xml><?xml version="1.0" encoding="utf-8"?>
+<file path=ppt/slideLayouts/slideLayout4.xml><?xml version="1.0" encoding="utf-8"?>
 <p:sldLayout xmlns:a="http://schemas.openxmlformats.org/drawingml/2006/main" xmlns:r="http://schemas.openxmlformats.org/officeDocument/2006/relationships" xmlns:p="http://schemas.openxmlformats.org/presentationml/2006/main" matchingName="Two Content" type="twoObj">
   <p:cSld name="TWO_OBJECTS">
     <p:spTree>
@@ -6546,7 +5152,7 @@
 </p:sldLayout>
 </file>
 
-<file path=ppt/slideLayouts/slideLayout6.xml><?xml version="1.0" encoding="utf-8"?>
+<file path=ppt/slideLayouts/slideLayout5.xml><?xml version="1.0" encoding="utf-8"?>
 <p:sldLayout xmlns:a="http://schemas.openxmlformats.org/drawingml/2006/main" xmlns:r="http://schemas.openxmlformats.org/officeDocument/2006/relationships" xmlns:p="http://schemas.openxmlformats.org/presentationml/2006/main" matchingName="Comparison" type="twoTxTwoObj">
   <p:cSld name="TWO_OBJECTS_WITH_TEXT">
     <p:spTree>
@@ -7724,7 +6330,7 @@
 </p:sldLayout>
 </file>
 
-<file path=ppt/slideLayouts/slideLayout7.xml><?xml version="1.0" encoding="utf-8"?>
+<file path=ppt/slideLayouts/slideLayout6.xml><?xml version="1.0" encoding="utf-8"?>
 <p:sldLayout xmlns:a="http://schemas.openxmlformats.org/drawingml/2006/main" xmlns:r="http://schemas.openxmlformats.org/officeDocument/2006/relationships" xmlns:p="http://schemas.openxmlformats.org/presentationml/2006/main" matchingName="Title Only" type="titleOnly">
   <p:cSld name="TITLE_ONLY">
     <p:spTree>
@@ -8261,7 +6867,7 @@
 </p:sldLayout>
 </file>
 
-<file path=ppt/slideLayouts/slideLayout8.xml><?xml version="1.0" encoding="utf-8"?>
+<file path=ppt/slideLayouts/slideLayout7.xml><?xml version="1.0" encoding="utf-8"?>
 <p:sldLayout xmlns:a="http://schemas.openxmlformats.org/drawingml/2006/main" xmlns:r="http://schemas.openxmlformats.org/officeDocument/2006/relationships" xmlns:p="http://schemas.openxmlformats.org/presentationml/2006/main" matchingName="Content with Caption" type="objTx">
   <p:cSld name="OBJECT_WITH_CAPTION_TEXT">
     <p:spTree>
@@ -9119,7 +7725,7 @@
 </p:sldLayout>
 </file>
 
-<file path=ppt/slideLayouts/slideLayout9.xml><?xml version="1.0" encoding="utf-8"?>
+<file path=ppt/slideLayouts/slideLayout8.xml><?xml version="1.0" encoding="utf-8"?>
 <p:sldLayout xmlns:a="http://schemas.openxmlformats.org/drawingml/2006/main" xmlns:r="http://schemas.openxmlformats.org/officeDocument/2006/relationships" xmlns:p="http://schemas.openxmlformats.org/presentationml/2006/main" matchingName="Picture with Caption" type="picTx">
   <p:cSld name="PICTURE_WITH_CAPTION_TEXT">
     <p:spTree>
@@ -9726,6 +8332,703 @@
       <p:sp>
         <p:nvSpPr>
           <p:cNvPr id="71" name="Google Shape;71;p12"/>
+          <p:cNvSpPr txBox="1">
+            <a:spLocks noGrp="1"/>
+          </p:cNvSpPr>
+          <p:nvPr>
+            <p:ph type="sldNum" idx="12"/>
+          </p:nvPr>
+        </p:nvSpPr>
+        <p:spPr>
+          <a:xfrm>
+            <a:off x="6553200" y="4767263"/>
+            <a:ext cx="2133600" cy="273844"/>
+          </a:xfrm>
+          <a:prstGeom prst="rect">
+            <a:avLst/>
+          </a:prstGeom>
+          <a:noFill/>
+          <a:ln>
+            <a:noFill/>
+          </a:ln>
+        </p:spPr>
+        <p:txBody>
+          <a:bodyPr spcFirstLastPara="1" wrap="square" lIns="91425" tIns="45700" rIns="91425" bIns="45700" anchor="ctr" anchorCtr="0">
+            <a:noAutofit/>
+          </a:bodyPr>
+          <a:lstStyle>
+            <a:lvl1pPr marL="0" lvl="0" indent="0" algn="r">
+              <a:spcBef>
+                <a:spcPts val="0"/>
+              </a:spcBef>
+              <a:buNone/>
+              <a:defRPr/>
+            </a:lvl1pPr>
+            <a:lvl2pPr marL="0" lvl="1" indent="0" algn="r">
+              <a:spcBef>
+                <a:spcPts val="0"/>
+              </a:spcBef>
+              <a:buNone/>
+              <a:defRPr/>
+            </a:lvl2pPr>
+            <a:lvl3pPr marL="0" lvl="2" indent="0" algn="r">
+              <a:spcBef>
+                <a:spcPts val="0"/>
+              </a:spcBef>
+              <a:buNone/>
+              <a:defRPr/>
+            </a:lvl3pPr>
+            <a:lvl4pPr marL="0" lvl="3" indent="0" algn="r">
+              <a:spcBef>
+                <a:spcPts val="0"/>
+              </a:spcBef>
+              <a:buNone/>
+              <a:defRPr/>
+            </a:lvl4pPr>
+            <a:lvl5pPr marL="0" lvl="4" indent="0" algn="r">
+              <a:spcBef>
+                <a:spcPts val="0"/>
+              </a:spcBef>
+              <a:buNone/>
+              <a:defRPr/>
+            </a:lvl5pPr>
+            <a:lvl6pPr marL="0" lvl="5" indent="0" algn="r">
+              <a:spcBef>
+                <a:spcPts val="0"/>
+              </a:spcBef>
+              <a:buNone/>
+              <a:defRPr/>
+            </a:lvl6pPr>
+            <a:lvl7pPr marL="0" lvl="6" indent="0" algn="r">
+              <a:spcBef>
+                <a:spcPts val="0"/>
+              </a:spcBef>
+              <a:buNone/>
+              <a:defRPr/>
+            </a:lvl7pPr>
+            <a:lvl8pPr marL="0" lvl="7" indent="0" algn="r">
+              <a:spcBef>
+                <a:spcPts val="0"/>
+              </a:spcBef>
+              <a:buNone/>
+              <a:defRPr/>
+            </a:lvl8pPr>
+            <a:lvl9pPr marL="0" lvl="8" indent="0" algn="r">
+              <a:spcBef>
+                <a:spcPts val="0"/>
+              </a:spcBef>
+              <a:buNone/>
+              <a:defRPr/>
+            </a:lvl9pPr>
+          </a:lstStyle>
+          <a:p>
+            <a:pPr marL="0" lvl="0" indent="0" algn="r" rtl="0">
+              <a:spcBef>
+                <a:spcPts val="0"/>
+              </a:spcBef>
+              <a:spcAft>
+                <a:spcPts val="0"/>
+              </a:spcAft>
+              <a:buNone/>
+            </a:pPr>
+            <a:fld id="{00000000-1234-1234-1234-123412341234}" type="slidenum">
+              <a:rPr lang="en-US"/>
+              <a:t>‹#›</a:t>
+            </a:fld>
+            <a:endParaRPr/>
+          </a:p>
+        </p:txBody>
+      </p:sp>
+    </p:spTree>
+  </p:cSld>
+  <p:clrMapOvr>
+    <a:masterClrMapping/>
+  </p:clrMapOvr>
+</p:sldLayout>
+</file>
+
+<file path=ppt/slideLayouts/slideLayout9.xml><?xml version="1.0" encoding="utf-8"?>
+<p:sldLayout xmlns:a="http://schemas.openxmlformats.org/drawingml/2006/main" xmlns:r="http://schemas.openxmlformats.org/officeDocument/2006/relationships" xmlns:p="http://schemas.openxmlformats.org/presentationml/2006/main" matchingName="Title and Vertical Text" type="vertTx">
+  <p:cSld name="VERTICAL_TEXT">
+    <p:spTree>
+      <p:nvGrpSpPr>
+        <p:cNvPr id="1" name="Shape 72"/>
+        <p:cNvGrpSpPr/>
+        <p:nvPr/>
+      </p:nvGrpSpPr>
+      <p:grpSpPr>
+        <a:xfrm>
+          <a:off x="0" y="0"/>
+          <a:ext cx="0" cy="0"/>
+          <a:chOff x="0" y="0"/>
+          <a:chExt cx="0" cy="0"/>
+        </a:xfrm>
+      </p:grpSpPr>
+      <p:sp>
+        <p:nvSpPr>
+          <p:cNvPr id="73" name="Google Shape;73;p13"/>
+          <p:cNvSpPr txBox="1">
+            <a:spLocks noGrp="1"/>
+          </p:cNvSpPr>
+          <p:nvPr>
+            <p:ph type="title"/>
+          </p:nvPr>
+        </p:nvSpPr>
+        <p:spPr>
+          <a:xfrm>
+            <a:off x="457200" y="205979"/>
+            <a:ext cx="8229600" cy="857250"/>
+          </a:xfrm>
+          <a:prstGeom prst="rect">
+            <a:avLst/>
+          </a:prstGeom>
+          <a:noFill/>
+          <a:ln>
+            <a:noFill/>
+          </a:ln>
+        </p:spPr>
+        <p:txBody>
+          <a:bodyPr spcFirstLastPara="1" wrap="square" lIns="91425" tIns="45700" rIns="91425" bIns="45700" anchor="ctr" anchorCtr="0">
+            <a:normAutofit/>
+          </a:bodyPr>
+          <a:lstStyle>
+            <a:lvl1pPr lvl="0" algn="ctr">
+              <a:spcBef>
+                <a:spcPts val="0"/>
+              </a:spcBef>
+              <a:spcAft>
+                <a:spcPts val="0"/>
+              </a:spcAft>
+              <a:buClr>
+                <a:schemeClr val="dk1"/>
+              </a:buClr>
+              <a:buSzPts val="1800"/>
+              <a:buNone/>
+              <a:defRPr/>
+            </a:lvl1pPr>
+            <a:lvl2pPr lvl="1">
+              <a:spcBef>
+                <a:spcPts val="0"/>
+              </a:spcBef>
+              <a:spcAft>
+                <a:spcPts val="0"/>
+              </a:spcAft>
+              <a:buSzPts val="1400"/>
+              <a:buNone/>
+              <a:defRPr/>
+            </a:lvl2pPr>
+            <a:lvl3pPr lvl="2">
+              <a:spcBef>
+                <a:spcPts val="0"/>
+              </a:spcBef>
+              <a:spcAft>
+                <a:spcPts val="0"/>
+              </a:spcAft>
+              <a:buSzPts val="1400"/>
+              <a:buNone/>
+              <a:defRPr/>
+            </a:lvl3pPr>
+            <a:lvl4pPr lvl="3">
+              <a:spcBef>
+                <a:spcPts val="0"/>
+              </a:spcBef>
+              <a:spcAft>
+                <a:spcPts val="0"/>
+              </a:spcAft>
+              <a:buSzPts val="1400"/>
+              <a:buNone/>
+              <a:defRPr/>
+            </a:lvl4pPr>
+            <a:lvl5pPr lvl="4">
+              <a:spcBef>
+                <a:spcPts val="0"/>
+              </a:spcBef>
+              <a:spcAft>
+                <a:spcPts val="0"/>
+              </a:spcAft>
+              <a:buSzPts val="1400"/>
+              <a:buNone/>
+              <a:defRPr/>
+            </a:lvl5pPr>
+            <a:lvl6pPr lvl="5">
+              <a:spcBef>
+                <a:spcPts val="0"/>
+              </a:spcBef>
+              <a:spcAft>
+                <a:spcPts val="0"/>
+              </a:spcAft>
+              <a:buSzPts val="1400"/>
+              <a:buNone/>
+              <a:defRPr/>
+            </a:lvl6pPr>
+            <a:lvl7pPr lvl="6">
+              <a:spcBef>
+                <a:spcPts val="0"/>
+              </a:spcBef>
+              <a:spcAft>
+                <a:spcPts val="0"/>
+              </a:spcAft>
+              <a:buSzPts val="1400"/>
+              <a:buNone/>
+              <a:defRPr/>
+            </a:lvl7pPr>
+            <a:lvl8pPr lvl="7">
+              <a:spcBef>
+                <a:spcPts val="0"/>
+              </a:spcBef>
+              <a:spcAft>
+                <a:spcPts val="0"/>
+              </a:spcAft>
+              <a:buSzPts val="1400"/>
+              <a:buNone/>
+              <a:defRPr/>
+            </a:lvl8pPr>
+            <a:lvl9pPr lvl="8">
+              <a:spcBef>
+                <a:spcPts val="0"/>
+              </a:spcBef>
+              <a:spcAft>
+                <a:spcPts val="0"/>
+              </a:spcAft>
+              <a:buSzPts val="1400"/>
+              <a:buNone/>
+              <a:defRPr/>
+            </a:lvl9pPr>
+          </a:lstStyle>
+          <a:p>
+            <a:endParaRPr/>
+          </a:p>
+        </p:txBody>
+      </p:sp>
+      <p:sp>
+        <p:nvSpPr>
+          <p:cNvPr id="74" name="Google Shape;74;p13"/>
+          <p:cNvSpPr txBox="1">
+            <a:spLocks noGrp="1"/>
+          </p:cNvSpPr>
+          <p:nvPr>
+            <p:ph type="body" idx="1"/>
+          </p:nvPr>
+        </p:nvSpPr>
+        <p:spPr>
+          <a:xfrm rot="5400000">
+            <a:off x="2874764" y="-1217413"/>
+            <a:ext cx="3394472" cy="8229600"/>
+          </a:xfrm>
+          <a:prstGeom prst="rect">
+            <a:avLst/>
+          </a:prstGeom>
+          <a:noFill/>
+          <a:ln>
+            <a:noFill/>
+          </a:ln>
+        </p:spPr>
+        <p:txBody>
+          <a:bodyPr spcFirstLastPara="1" wrap="square" lIns="91425" tIns="45700" rIns="91425" bIns="45700" anchor="t" anchorCtr="0">
+            <a:normAutofit/>
+          </a:bodyPr>
+          <a:lstStyle>
+            <a:lvl1pPr marL="457200" lvl="0" indent="-342900" algn="l">
+              <a:spcBef>
+                <a:spcPts val="360"/>
+              </a:spcBef>
+              <a:spcAft>
+                <a:spcPts val="0"/>
+              </a:spcAft>
+              <a:buClr>
+                <a:schemeClr val="dk1"/>
+              </a:buClr>
+              <a:buSzPts val="1800"/>
+              <a:buChar char="•"/>
+              <a:defRPr/>
+            </a:lvl1pPr>
+            <a:lvl2pPr marL="914400" lvl="1" indent="-342900" algn="l">
+              <a:spcBef>
+                <a:spcPts val="360"/>
+              </a:spcBef>
+              <a:spcAft>
+                <a:spcPts val="0"/>
+              </a:spcAft>
+              <a:buClr>
+                <a:schemeClr val="dk1"/>
+              </a:buClr>
+              <a:buSzPts val="1800"/>
+              <a:buChar char="–"/>
+              <a:defRPr/>
+            </a:lvl2pPr>
+            <a:lvl3pPr marL="1371600" lvl="2" indent="-342900" algn="l">
+              <a:spcBef>
+                <a:spcPts val="360"/>
+              </a:spcBef>
+              <a:spcAft>
+                <a:spcPts val="0"/>
+              </a:spcAft>
+              <a:buClr>
+                <a:schemeClr val="dk1"/>
+              </a:buClr>
+              <a:buSzPts val="1800"/>
+              <a:buChar char="•"/>
+              <a:defRPr/>
+            </a:lvl3pPr>
+            <a:lvl4pPr marL="1828800" lvl="3" indent="-342900" algn="l">
+              <a:spcBef>
+                <a:spcPts val="360"/>
+              </a:spcBef>
+              <a:spcAft>
+                <a:spcPts val="0"/>
+              </a:spcAft>
+              <a:buClr>
+                <a:schemeClr val="dk1"/>
+              </a:buClr>
+              <a:buSzPts val="1800"/>
+              <a:buChar char="–"/>
+              <a:defRPr/>
+            </a:lvl4pPr>
+            <a:lvl5pPr marL="2286000" lvl="4" indent="-342900" algn="l">
+              <a:spcBef>
+                <a:spcPts val="360"/>
+              </a:spcBef>
+              <a:spcAft>
+                <a:spcPts val="0"/>
+              </a:spcAft>
+              <a:buClr>
+                <a:schemeClr val="dk1"/>
+              </a:buClr>
+              <a:buSzPts val="1800"/>
+              <a:buChar char="»"/>
+              <a:defRPr/>
+            </a:lvl5pPr>
+            <a:lvl6pPr marL="2743200" lvl="5" indent="-342900" algn="l">
+              <a:spcBef>
+                <a:spcPts val="360"/>
+              </a:spcBef>
+              <a:spcAft>
+                <a:spcPts val="0"/>
+              </a:spcAft>
+              <a:buClr>
+                <a:schemeClr val="dk1"/>
+              </a:buClr>
+              <a:buSzPts val="1800"/>
+              <a:buChar char="•"/>
+              <a:defRPr/>
+            </a:lvl6pPr>
+            <a:lvl7pPr marL="3200400" lvl="6" indent="-342900" algn="l">
+              <a:spcBef>
+                <a:spcPts val="360"/>
+              </a:spcBef>
+              <a:spcAft>
+                <a:spcPts val="0"/>
+              </a:spcAft>
+              <a:buClr>
+                <a:schemeClr val="dk1"/>
+              </a:buClr>
+              <a:buSzPts val="1800"/>
+              <a:buChar char="•"/>
+              <a:defRPr/>
+            </a:lvl7pPr>
+            <a:lvl8pPr marL="3657600" lvl="7" indent="-342900" algn="l">
+              <a:spcBef>
+                <a:spcPts val="360"/>
+              </a:spcBef>
+              <a:spcAft>
+                <a:spcPts val="0"/>
+              </a:spcAft>
+              <a:buClr>
+                <a:schemeClr val="dk1"/>
+              </a:buClr>
+              <a:buSzPts val="1800"/>
+              <a:buChar char="•"/>
+              <a:defRPr/>
+            </a:lvl8pPr>
+            <a:lvl9pPr marL="4114800" lvl="8" indent="-342900" algn="l">
+              <a:spcBef>
+                <a:spcPts val="360"/>
+              </a:spcBef>
+              <a:spcAft>
+                <a:spcPts val="0"/>
+              </a:spcAft>
+              <a:buClr>
+                <a:schemeClr val="dk1"/>
+              </a:buClr>
+              <a:buSzPts val="1800"/>
+              <a:buChar char="•"/>
+              <a:defRPr/>
+            </a:lvl9pPr>
+          </a:lstStyle>
+          <a:p>
+            <a:endParaRPr/>
+          </a:p>
+        </p:txBody>
+      </p:sp>
+      <p:sp>
+        <p:nvSpPr>
+          <p:cNvPr id="75" name="Google Shape;75;p13"/>
+          <p:cNvSpPr txBox="1">
+            <a:spLocks noGrp="1"/>
+          </p:cNvSpPr>
+          <p:nvPr>
+            <p:ph type="dt" idx="10"/>
+          </p:nvPr>
+        </p:nvSpPr>
+        <p:spPr>
+          <a:xfrm>
+            <a:off x="457200" y="4767263"/>
+            <a:ext cx="2133600" cy="273844"/>
+          </a:xfrm>
+          <a:prstGeom prst="rect">
+            <a:avLst/>
+          </a:prstGeom>
+          <a:noFill/>
+          <a:ln>
+            <a:noFill/>
+          </a:ln>
+        </p:spPr>
+        <p:txBody>
+          <a:bodyPr spcFirstLastPara="1" wrap="square" lIns="91425" tIns="45700" rIns="91425" bIns="45700" anchor="ctr" anchorCtr="0">
+            <a:noAutofit/>
+          </a:bodyPr>
+          <a:lstStyle>
+            <a:lvl1pPr lvl="0" algn="l">
+              <a:spcBef>
+                <a:spcPts val="0"/>
+              </a:spcBef>
+              <a:spcAft>
+                <a:spcPts val="0"/>
+              </a:spcAft>
+              <a:buSzPts val="1400"/>
+              <a:buNone/>
+              <a:defRPr/>
+            </a:lvl1pPr>
+            <a:lvl2pPr lvl="1" algn="l">
+              <a:spcBef>
+                <a:spcPts val="0"/>
+              </a:spcBef>
+              <a:spcAft>
+                <a:spcPts val="0"/>
+              </a:spcAft>
+              <a:buSzPts val="1400"/>
+              <a:buNone/>
+              <a:defRPr/>
+            </a:lvl2pPr>
+            <a:lvl3pPr lvl="2" algn="l">
+              <a:spcBef>
+                <a:spcPts val="0"/>
+              </a:spcBef>
+              <a:spcAft>
+                <a:spcPts val="0"/>
+              </a:spcAft>
+              <a:buSzPts val="1400"/>
+              <a:buNone/>
+              <a:defRPr/>
+            </a:lvl3pPr>
+            <a:lvl4pPr lvl="3" algn="l">
+              <a:spcBef>
+                <a:spcPts val="0"/>
+              </a:spcBef>
+              <a:spcAft>
+                <a:spcPts val="0"/>
+              </a:spcAft>
+              <a:buSzPts val="1400"/>
+              <a:buNone/>
+              <a:defRPr/>
+            </a:lvl4pPr>
+            <a:lvl5pPr lvl="4" algn="l">
+              <a:spcBef>
+                <a:spcPts val="0"/>
+              </a:spcBef>
+              <a:spcAft>
+                <a:spcPts val="0"/>
+              </a:spcAft>
+              <a:buSzPts val="1400"/>
+              <a:buNone/>
+              <a:defRPr/>
+            </a:lvl5pPr>
+            <a:lvl6pPr lvl="5" algn="l">
+              <a:spcBef>
+                <a:spcPts val="0"/>
+              </a:spcBef>
+              <a:spcAft>
+                <a:spcPts val="0"/>
+              </a:spcAft>
+              <a:buSzPts val="1400"/>
+              <a:buNone/>
+              <a:defRPr/>
+            </a:lvl6pPr>
+            <a:lvl7pPr lvl="6" algn="l">
+              <a:spcBef>
+                <a:spcPts val="0"/>
+              </a:spcBef>
+              <a:spcAft>
+                <a:spcPts val="0"/>
+              </a:spcAft>
+              <a:buSzPts val="1400"/>
+              <a:buNone/>
+              <a:defRPr/>
+            </a:lvl7pPr>
+            <a:lvl8pPr lvl="7" algn="l">
+              <a:spcBef>
+                <a:spcPts val="0"/>
+              </a:spcBef>
+              <a:spcAft>
+                <a:spcPts val="0"/>
+              </a:spcAft>
+              <a:buSzPts val="1400"/>
+              <a:buNone/>
+              <a:defRPr/>
+            </a:lvl8pPr>
+            <a:lvl9pPr lvl="8" algn="l">
+              <a:spcBef>
+                <a:spcPts val="0"/>
+              </a:spcBef>
+              <a:spcAft>
+                <a:spcPts val="0"/>
+              </a:spcAft>
+              <a:buSzPts val="1400"/>
+              <a:buNone/>
+              <a:defRPr/>
+            </a:lvl9pPr>
+          </a:lstStyle>
+          <a:p>
+            <a:endParaRPr/>
+          </a:p>
+        </p:txBody>
+      </p:sp>
+      <p:sp>
+        <p:nvSpPr>
+          <p:cNvPr id="76" name="Google Shape;76;p13"/>
+          <p:cNvSpPr txBox="1">
+            <a:spLocks noGrp="1"/>
+          </p:cNvSpPr>
+          <p:nvPr>
+            <p:ph type="ftr" idx="11"/>
+          </p:nvPr>
+        </p:nvSpPr>
+        <p:spPr>
+          <a:xfrm>
+            <a:off x="3124200" y="4767263"/>
+            <a:ext cx="2895600" cy="273844"/>
+          </a:xfrm>
+          <a:prstGeom prst="rect">
+            <a:avLst/>
+          </a:prstGeom>
+          <a:noFill/>
+          <a:ln>
+            <a:noFill/>
+          </a:ln>
+        </p:spPr>
+        <p:txBody>
+          <a:bodyPr spcFirstLastPara="1" wrap="square" lIns="91425" tIns="45700" rIns="91425" bIns="45700" anchor="ctr" anchorCtr="0">
+            <a:noAutofit/>
+          </a:bodyPr>
+          <a:lstStyle>
+            <a:lvl1pPr lvl="0" algn="ctr">
+              <a:spcBef>
+                <a:spcPts val="0"/>
+              </a:spcBef>
+              <a:spcAft>
+                <a:spcPts val="0"/>
+              </a:spcAft>
+              <a:buSzPts val="1400"/>
+              <a:buNone/>
+              <a:defRPr/>
+            </a:lvl1pPr>
+            <a:lvl2pPr lvl="1" algn="l">
+              <a:spcBef>
+                <a:spcPts val="0"/>
+              </a:spcBef>
+              <a:spcAft>
+                <a:spcPts val="0"/>
+              </a:spcAft>
+              <a:buSzPts val="1400"/>
+              <a:buNone/>
+              <a:defRPr/>
+            </a:lvl2pPr>
+            <a:lvl3pPr lvl="2" algn="l">
+              <a:spcBef>
+                <a:spcPts val="0"/>
+              </a:spcBef>
+              <a:spcAft>
+                <a:spcPts val="0"/>
+              </a:spcAft>
+              <a:buSzPts val="1400"/>
+              <a:buNone/>
+              <a:defRPr/>
+            </a:lvl3pPr>
+            <a:lvl4pPr lvl="3" algn="l">
+              <a:spcBef>
+                <a:spcPts val="0"/>
+              </a:spcBef>
+              <a:spcAft>
+                <a:spcPts val="0"/>
+              </a:spcAft>
+              <a:buSzPts val="1400"/>
+              <a:buNone/>
+              <a:defRPr/>
+            </a:lvl4pPr>
+            <a:lvl5pPr lvl="4" algn="l">
+              <a:spcBef>
+                <a:spcPts val="0"/>
+              </a:spcBef>
+              <a:spcAft>
+                <a:spcPts val="0"/>
+              </a:spcAft>
+              <a:buSzPts val="1400"/>
+              <a:buNone/>
+              <a:defRPr/>
+            </a:lvl5pPr>
+            <a:lvl6pPr lvl="5" algn="l">
+              <a:spcBef>
+                <a:spcPts val="0"/>
+              </a:spcBef>
+              <a:spcAft>
+                <a:spcPts val="0"/>
+              </a:spcAft>
+              <a:buSzPts val="1400"/>
+              <a:buNone/>
+              <a:defRPr/>
+            </a:lvl6pPr>
+            <a:lvl7pPr lvl="6" algn="l">
+              <a:spcBef>
+                <a:spcPts val="0"/>
+              </a:spcBef>
+              <a:spcAft>
+                <a:spcPts val="0"/>
+              </a:spcAft>
+              <a:buSzPts val="1400"/>
+              <a:buNone/>
+              <a:defRPr/>
+            </a:lvl7pPr>
+            <a:lvl8pPr lvl="7" algn="l">
+              <a:spcBef>
+                <a:spcPts val="0"/>
+              </a:spcBef>
+              <a:spcAft>
+                <a:spcPts val="0"/>
+              </a:spcAft>
+              <a:buSzPts val="1400"/>
+              <a:buNone/>
+              <a:defRPr/>
+            </a:lvl8pPr>
+            <a:lvl9pPr lvl="8" algn="l">
+              <a:spcBef>
+                <a:spcPts val="0"/>
+              </a:spcBef>
+              <a:spcAft>
+                <a:spcPts val="0"/>
+              </a:spcAft>
+              <a:buSzPts val="1400"/>
+              <a:buNone/>
+              <a:defRPr/>
+            </a:lvl9pPr>
+          </a:lstStyle>
+          <a:p>
+            <a:endParaRPr/>
+          </a:p>
+        </p:txBody>
+      </p:sp>
+      <p:sp>
+        <p:nvSpPr>
+          <p:cNvPr id="77" name="Google Shape;77;p13"/>
           <p:cNvSpPr txBox="1">
             <a:spLocks noGrp="1"/>
           </p:cNvSpPr>
@@ -10850,15 +10153,14 @@
   <p:sldLayoutIdLst>
     <p:sldLayoutId id="2147483649" r:id="rId1"/>
     <p:sldLayoutId id="2147483650" r:id="rId2"/>
-    <p:sldLayoutId id="2147483651" r:id="rId3"/>
-    <p:sldLayoutId id="2147483652" r:id="rId4"/>
-    <p:sldLayoutId id="2147483653" r:id="rId5"/>
-    <p:sldLayoutId id="2147483654" r:id="rId6"/>
-    <p:sldLayoutId id="2147483655" r:id="rId7"/>
-    <p:sldLayoutId id="2147483656" r:id="rId8"/>
-    <p:sldLayoutId id="2147483657" r:id="rId9"/>
-    <p:sldLayoutId id="2147483658" r:id="rId10"/>
-    <p:sldLayoutId id="2147483659" r:id="rId11"/>
+    <p:sldLayoutId id="2147483652" r:id="rId3"/>
+    <p:sldLayoutId id="2147483653" r:id="rId4"/>
+    <p:sldLayoutId id="2147483654" r:id="rId5"/>
+    <p:sldLayoutId id="2147483655" r:id="rId6"/>
+    <p:sldLayoutId id="2147483656" r:id="rId7"/>
+    <p:sldLayoutId id="2147483657" r:id="rId8"/>
+    <p:sldLayoutId id="2147483658" r:id="rId9"/>
+    <p:sldLayoutId id="2147483659" r:id="rId10"/>
   </p:sldLayoutIdLst>
   <p:hf hdr="0" ftr="0" dt="0"/>
   <p:txStyles>
